--- a/filesets/autotune/autotune_check.pptx
+++ b/filesets/autotune/autotune_check.pptx
@@ -5329,49 +5329,6 @@
           </a:graphicData>
         </a:graphic>
       </p:graphicFrame>
-      <p:sp>
-        <p:nvSpPr>
-          <p:cNvPr id="5" name="TextBox 4">
-            <a:extLst>
-              <a:ext uri="{FF2B5EF4-FFF2-40B4-BE49-F238E27FC236}">
-                <a16:creationId xmlns:a16="http://schemas.microsoft.com/office/drawing/2014/main" id="{4419527E-534D-7A4F-A658-8711F0AEEE7C}"/>
-              </a:ext>
-            </a:extLst>
-          </p:cNvPr>
-          <p:cNvSpPr txBox="1"/>
-          <p:nvPr/>
-        </p:nvSpPr>
-        <p:spPr>
-          <a:xfrm>
-            <a:off x="587482" y="1240971"/>
-            <a:ext cx="4570482" cy="369332"/>
-          </a:xfrm>
-          <a:prstGeom prst="rect">
-            <a:avLst/>
-          </a:prstGeom>
-          <a:noFill/>
-        </p:spPr>
-        <p:txBody>
-          <a:bodyPr wrap="none" rtlCol="0">
-            <a:spAutoFit/>
-          </a:bodyPr>
-          <a:lstStyle/>
-          <a:p>
-            <a:r>
-              <a:rPr lang="en-US" dirty="0"/>
-              <a:t>System:  {{</a:t>
-            </a:r>
-            <a:r>
-              <a:rPr lang="en-US" dirty="0" err="1"/>
-              <a:t>val:autotune_potential.csv</a:t>
-            </a:r>
-            <a:r>
-              <a:rPr lang="en-US" dirty="0"/>
-              <a:t>[2,2]}}</a:t>
-            </a:r>
-          </a:p>
-        </p:txBody>
-      </p:sp>
     </p:spTree>
     <p:extLst>
       <p:ext uri="{BB962C8B-B14F-4D97-AF65-F5344CB8AC3E}">
@@ -6350,21 +6307,6 @@
 </file>
 
 <file path=customXml/item1.xml><?xml version="1.0" encoding="utf-8"?>
-<?mso-contentType ?>
-<FormTemplates xmlns="http://schemas.microsoft.com/sharepoint/v3/contenttype/forms">
-  <Display>DocumentLibraryForm</Display>
-  <Edit>DocumentLibraryForm</Edit>
-  <New>DocumentLibraryForm</New>
-</FormTemplates>
-</file>
-
-<file path=customXml/item2.xml><?xml version="1.0" encoding="utf-8"?>
-<p:properties xmlns:p="http://schemas.microsoft.com/office/2006/metadata/properties" xmlns:xsi="http://www.w3.org/2001/XMLSchema-instance" xmlns:pc="http://schemas.microsoft.com/office/infopath/2007/PartnerControls">
-  <documentManagement/>
-</p:properties>
-</file>
-
-<file path=customXml/item3.xml><?xml version="1.0" encoding="utf-8"?>
 <ct:contentTypeSchema xmlns:ct="http://schemas.microsoft.com/office/2006/metadata/contentType" xmlns:ma="http://schemas.microsoft.com/office/2006/metadata/properties/metaAttributes" ct:_="" ma:_="" ma:contentTypeName="Document" ma:contentTypeID="0x010100B142CB505444CE45B67D97A18A4C306A" ma:contentTypeVersion="0" ma:contentTypeDescription="Create a new document." ma:contentTypeScope="" ma:versionID="50e079853f9ec040d2a30adbbde6ee65">
   <xsd:schema xmlns:xsd="http://www.w3.org/2001/XMLSchema" xmlns:xs="http://www.w3.org/2001/XMLSchema" xmlns:p="http://schemas.microsoft.com/office/2006/metadata/properties" targetNamespace="http://schemas.microsoft.com/office/2006/metadata/properties" ma:root="true" ma:fieldsID="5e97a6f37767e4c84f18c2cfb95bf7a3">
     <xsd:element name="properties">
@@ -6478,10 +6420,33 @@
 </ct:contentTypeSchema>
 </file>
 
+<file path=customXml/item2.xml><?xml version="1.0" encoding="utf-8"?>
+<p:properties xmlns:p="http://schemas.microsoft.com/office/2006/metadata/properties" xmlns:xsi="http://www.w3.org/2001/XMLSchema-instance" xmlns:pc="http://schemas.microsoft.com/office/infopath/2007/PartnerControls">
+  <documentManagement/>
+</p:properties>
+</file>
+
+<file path=customXml/item3.xml><?xml version="1.0" encoding="utf-8"?>
+<?mso-contentType ?>
+<FormTemplates xmlns="http://schemas.microsoft.com/sharepoint/v3/contenttype/forms">
+  <Display>DocumentLibraryForm</Display>
+  <Edit>DocumentLibraryForm</Edit>
+  <New>DocumentLibraryForm</New>
+</FormTemplates>
+</file>
+
 <file path=customXml/itemProps1.xml><?xml version="1.0" encoding="utf-8"?>
-<ds:datastoreItem xmlns:ds="http://schemas.openxmlformats.org/officeDocument/2006/customXml" ds:itemID="{D03F60F6-267C-4F0B-90AC-53495EF22DB8}">
+<ds:datastoreItem xmlns:ds="http://schemas.openxmlformats.org/officeDocument/2006/customXml" ds:itemID="{B49647F1-7481-497C-BFCD-436328A8BAC2}">
   <ds:schemaRefs>
-    <ds:schemaRef ds:uri="http://schemas.microsoft.com/sharepoint/v3/contenttype/forms"/>
+    <ds:schemaRef ds:uri="http://schemas.microsoft.com/office/2006/metadata/contentType"/>
+    <ds:schemaRef ds:uri="http://schemas.microsoft.com/office/2006/metadata/properties/metaAttributes"/>
+    <ds:schemaRef ds:uri="http://www.w3.org/2001/XMLSchema"/>
+    <ds:schemaRef ds:uri="http://schemas.microsoft.com/office/2006/metadata/properties"/>
+    <ds:schemaRef ds:uri="http://schemas.openxmlformats.org/package/2006/metadata/core-properties"/>
+    <ds:schemaRef ds:uri="http://purl.org/dc/elements/1.1/"/>
+    <ds:schemaRef ds:uri="http://purl.org/dc/terms/"/>
+    <ds:schemaRef ds:uri="http://schemas.microsoft.com/internal/obd"/>
+    <ds:schemaRef ds:uri="http://schemas.microsoft.com/office/infopath/2007/PartnerControls"/>
   </ds:schemaRefs>
 </ds:datastoreItem>
 </file>
@@ -6504,17 +6469,9 @@
 </file>
 
 <file path=customXml/itemProps3.xml><?xml version="1.0" encoding="utf-8"?>
-<ds:datastoreItem xmlns:ds="http://schemas.openxmlformats.org/officeDocument/2006/customXml" ds:itemID="{B49647F1-7481-497C-BFCD-436328A8BAC2}">
+<ds:datastoreItem xmlns:ds="http://schemas.openxmlformats.org/officeDocument/2006/customXml" ds:itemID="{D03F60F6-267C-4F0B-90AC-53495EF22DB8}">
   <ds:schemaRefs>
-    <ds:schemaRef ds:uri="http://schemas.microsoft.com/office/2006/metadata/contentType"/>
-    <ds:schemaRef ds:uri="http://schemas.microsoft.com/office/2006/metadata/properties/metaAttributes"/>
-    <ds:schemaRef ds:uri="http://www.w3.org/2001/XMLSchema"/>
-    <ds:schemaRef ds:uri="http://schemas.microsoft.com/office/2006/metadata/properties"/>
-    <ds:schemaRef ds:uri="http://schemas.openxmlformats.org/package/2006/metadata/core-properties"/>
-    <ds:schemaRef ds:uri="http://purl.org/dc/elements/1.1/"/>
-    <ds:schemaRef ds:uri="http://purl.org/dc/terms/"/>
-    <ds:schemaRef ds:uri="http://schemas.microsoft.com/internal/obd"/>
-    <ds:schemaRef ds:uri="http://schemas.microsoft.com/office/infopath/2007/PartnerControls"/>
+    <ds:schemaRef ds:uri="http://schemas.microsoft.com/sharepoint/v3/contenttype/forms"/>
   </ds:schemaRefs>
 </ds:datastoreItem>
 </file>
--- a/filesets/autotune/autotune_check.pptx
+++ b/filesets/autotune/autotune_check.pptx
@@ -885,36 +885,6 @@
       </p:sp>
       <p:pic>
         <p:nvPicPr>
-          <p:cNvPr id="5" name="Picture 4">
-            <a:extLst>
-              <a:ext uri="{FF2B5EF4-FFF2-40B4-BE49-F238E27FC236}">
-                <a16:creationId xmlns:a16="http://schemas.microsoft.com/office/drawing/2014/main" id="{18413D24-3B95-1C42-AB05-3DB6C7117B9C}"/>
-              </a:ext>
-            </a:extLst>
-          </p:cNvPr>
-          <p:cNvPicPr>
-            <a:picLocks noChangeAspect="1"/>
-          </p:cNvPicPr>
-          <p:nvPr userDrawn="1"/>
-        </p:nvPicPr>
-        <p:blipFill>
-          <a:blip r:embed="rId2"/>
-          <a:stretch>
-            <a:fillRect/>
-          </a:stretch>
-        </p:blipFill>
-        <p:spPr>
-          <a:xfrm>
-            <a:off x="312615" y="310393"/>
-            <a:ext cx="4151376" cy="6236208"/>
-          </a:xfrm>
-          <a:prstGeom prst="rect">
-            <a:avLst/>
-          </a:prstGeom>
-        </p:spPr>
-      </p:pic>
-      <p:pic>
-        <p:nvPicPr>
           <p:cNvPr id="17" name="Picture 16">
             <a:extLst>
               <a:ext uri="{FF2B5EF4-FFF2-40B4-BE49-F238E27FC236}">
@@ -928,7 +898,7 @@
           <p:nvPr userDrawn="1"/>
         </p:nvPicPr>
         <p:blipFill>
-          <a:blip r:embed="rId3"/>
+          <a:blip r:embed="rId2"/>
           <a:stretch>
             <a:fillRect/>
           </a:stretch>
@@ -6307,6 +6277,12 @@
 </file>
 
 <file path=customXml/item1.xml><?xml version="1.0" encoding="utf-8"?>
+<p:properties xmlns:p="http://schemas.microsoft.com/office/2006/metadata/properties" xmlns:xsi="http://www.w3.org/2001/XMLSchema-instance" xmlns:pc="http://schemas.microsoft.com/office/infopath/2007/PartnerControls">
+  <documentManagement/>
+</p:properties>
+</file>
+
+<file path=customXml/item2.xml><?xml version="1.0" encoding="utf-8"?>
 <ct:contentTypeSchema xmlns:ct="http://schemas.microsoft.com/office/2006/metadata/contentType" xmlns:ma="http://schemas.microsoft.com/office/2006/metadata/properties/metaAttributes" ct:_="" ma:_="" ma:contentTypeName="Document" ma:contentTypeID="0x010100B142CB505444CE45B67D97A18A4C306A" ma:contentTypeVersion="0" ma:contentTypeDescription="Create a new document." ma:contentTypeScope="" ma:versionID="50e079853f9ec040d2a30adbbde6ee65">
   <xsd:schema xmlns:xsd="http://www.w3.org/2001/XMLSchema" xmlns:xs="http://www.w3.org/2001/XMLSchema" xmlns:p="http://schemas.microsoft.com/office/2006/metadata/properties" targetNamespace="http://schemas.microsoft.com/office/2006/metadata/properties" ma:root="true" ma:fieldsID="5e97a6f37767e4c84f18c2cfb95bf7a3">
     <xsd:element name="properties">
@@ -6420,12 +6396,6 @@
 </ct:contentTypeSchema>
 </file>
 
-<file path=customXml/item2.xml><?xml version="1.0" encoding="utf-8"?>
-<p:properties xmlns:p="http://schemas.microsoft.com/office/2006/metadata/properties" xmlns:xsi="http://www.w3.org/2001/XMLSchema-instance" xmlns:pc="http://schemas.microsoft.com/office/infopath/2007/PartnerControls">
-  <documentManagement/>
-</p:properties>
-</file>
-
 <file path=customXml/item3.xml><?xml version="1.0" encoding="utf-8"?>
 <?mso-contentType ?>
 <FormTemplates xmlns="http://schemas.microsoft.com/sharepoint/v3/contenttype/forms">
@@ -6436,22 +6406,6 @@
 </file>
 
 <file path=customXml/itemProps1.xml><?xml version="1.0" encoding="utf-8"?>
-<ds:datastoreItem xmlns:ds="http://schemas.openxmlformats.org/officeDocument/2006/customXml" ds:itemID="{B49647F1-7481-497C-BFCD-436328A8BAC2}">
-  <ds:schemaRefs>
-    <ds:schemaRef ds:uri="http://schemas.microsoft.com/office/2006/metadata/contentType"/>
-    <ds:schemaRef ds:uri="http://schemas.microsoft.com/office/2006/metadata/properties/metaAttributes"/>
-    <ds:schemaRef ds:uri="http://www.w3.org/2001/XMLSchema"/>
-    <ds:schemaRef ds:uri="http://schemas.microsoft.com/office/2006/metadata/properties"/>
-    <ds:schemaRef ds:uri="http://schemas.openxmlformats.org/package/2006/metadata/core-properties"/>
-    <ds:schemaRef ds:uri="http://purl.org/dc/elements/1.1/"/>
-    <ds:schemaRef ds:uri="http://purl.org/dc/terms/"/>
-    <ds:schemaRef ds:uri="http://schemas.microsoft.com/internal/obd"/>
-    <ds:schemaRef ds:uri="http://schemas.microsoft.com/office/infopath/2007/PartnerControls"/>
-  </ds:schemaRefs>
-</ds:datastoreItem>
-</file>
-
-<file path=customXml/itemProps2.xml><?xml version="1.0" encoding="utf-8"?>
 <ds:datastoreItem xmlns:ds="http://schemas.openxmlformats.org/officeDocument/2006/customXml" ds:itemID="{19C64E80-8200-4669-BC3C-EA57A9064010}">
   <ds:schemaRefs>
     <ds:schemaRef ds:uri="http://schemas.microsoft.com/office/infopath/2007/PartnerControls"/>
@@ -6468,6 +6422,22 @@
 </ds:datastoreItem>
 </file>
 
+<file path=customXml/itemProps2.xml><?xml version="1.0" encoding="utf-8"?>
+<ds:datastoreItem xmlns:ds="http://schemas.openxmlformats.org/officeDocument/2006/customXml" ds:itemID="{B49647F1-7481-497C-BFCD-436328A8BAC2}">
+  <ds:schemaRefs>
+    <ds:schemaRef ds:uri="http://schemas.microsoft.com/office/2006/metadata/contentType"/>
+    <ds:schemaRef ds:uri="http://schemas.microsoft.com/office/2006/metadata/properties/metaAttributes"/>
+    <ds:schemaRef ds:uri="http://www.w3.org/2001/XMLSchema"/>
+    <ds:schemaRef ds:uri="http://schemas.microsoft.com/office/2006/metadata/properties"/>
+    <ds:schemaRef ds:uri="http://schemas.openxmlformats.org/package/2006/metadata/core-properties"/>
+    <ds:schemaRef ds:uri="http://purl.org/dc/elements/1.1/"/>
+    <ds:schemaRef ds:uri="http://purl.org/dc/terms/"/>
+    <ds:schemaRef ds:uri="http://schemas.microsoft.com/internal/obd"/>
+    <ds:schemaRef ds:uri="http://schemas.microsoft.com/office/infopath/2007/PartnerControls"/>
+  </ds:schemaRefs>
+</ds:datastoreItem>
+</file>
+
 <file path=customXml/itemProps3.xml><?xml version="1.0" encoding="utf-8"?>
 <ds:datastoreItem xmlns:ds="http://schemas.openxmlformats.org/officeDocument/2006/customXml" ds:itemID="{D03F60F6-267C-4F0B-90AC-53495EF22DB8}">
   <ds:schemaRefs>

--- a/filesets/autotune/autotune_check.pptx
+++ b/filesets/autotune/autotune_check.pptx
@@ -234,7 +234,7 @@
               <a:rPr lang="en-US" smtClean="0">
                 <a:latin typeface="Arial Regular"/>
               </a:rPr>
-              <a:t>8/3/20</a:t>
+              <a:t>8/24/20</a:t>
             </a:fld>
             <a:endParaRPr lang="en-US" dirty="0">
               <a:latin typeface="Arial Regular"/>
@@ -424,7 +424,7 @@
             <a:fld id="{C7103FDF-5845-2441-8890-D723FF5A85D0}" type="datetimeFigureOut">
               <a:rPr lang="en-US" smtClean="0"/>
               <a:pPr/>
-              <a:t>8/3/20</a:t>
+              <a:t>8/24/20</a:t>
             </a:fld>
             <a:endParaRPr lang="en-US" dirty="0"/>
           </a:p>
@@ -6277,9 +6277,12 @@
 </file>
 
 <file path=customXml/item1.xml><?xml version="1.0" encoding="utf-8"?>
-<p:properties xmlns:p="http://schemas.microsoft.com/office/2006/metadata/properties" xmlns:xsi="http://www.w3.org/2001/XMLSchema-instance" xmlns:pc="http://schemas.microsoft.com/office/infopath/2007/PartnerControls">
-  <documentManagement/>
-</p:properties>
+<?mso-contentType ?>
+<FormTemplates xmlns="http://schemas.microsoft.com/sharepoint/v3/contenttype/forms">
+  <Display>DocumentLibraryForm</Display>
+  <Edit>DocumentLibraryForm</Edit>
+  <New>DocumentLibraryForm</New>
+</FormTemplates>
 </file>
 
 <file path=customXml/item2.xml><?xml version="1.0" encoding="utf-8"?>
@@ -6397,27 +6400,15 @@
 </file>
 
 <file path=customXml/item3.xml><?xml version="1.0" encoding="utf-8"?>
-<?mso-contentType ?>
-<FormTemplates xmlns="http://schemas.microsoft.com/sharepoint/v3/contenttype/forms">
-  <Display>DocumentLibraryForm</Display>
-  <Edit>DocumentLibraryForm</Edit>
-  <New>DocumentLibraryForm</New>
-</FormTemplates>
+<p:properties xmlns:p="http://schemas.microsoft.com/office/2006/metadata/properties" xmlns:xsi="http://www.w3.org/2001/XMLSchema-instance" xmlns:pc="http://schemas.microsoft.com/office/infopath/2007/PartnerControls">
+  <documentManagement/>
+</p:properties>
 </file>
 
 <file path=customXml/itemProps1.xml><?xml version="1.0" encoding="utf-8"?>
-<ds:datastoreItem xmlns:ds="http://schemas.openxmlformats.org/officeDocument/2006/customXml" ds:itemID="{19C64E80-8200-4669-BC3C-EA57A9064010}">
+<ds:datastoreItem xmlns:ds="http://schemas.openxmlformats.org/officeDocument/2006/customXml" ds:itemID="{D03F60F6-267C-4F0B-90AC-53495EF22DB8}">
   <ds:schemaRefs>
-    <ds:schemaRef ds:uri="http://schemas.microsoft.com/office/infopath/2007/PartnerControls"/>
-    <ds:schemaRef ds:uri="http://schemas.openxmlformats.org/package/2006/metadata/core-properties"/>
-    <ds:schemaRef ds:uri="56123433-40cc-482a-838d-44eebed83084"/>
-    <ds:schemaRef ds:uri="http://purl.org/dc/elements/1.1/"/>
-    <ds:schemaRef ds:uri="http://purl.org/dc/dcmitype/"/>
-    <ds:schemaRef ds:uri="7d2247ee-dcae-49b5-8e6a-08fc19cc9b93"/>
-    <ds:schemaRef ds:uri="http://schemas.microsoft.com/office/2006/documentManagement/types"/>
-    <ds:schemaRef ds:uri="http://schemas.microsoft.com/office/2006/metadata/properties"/>
-    <ds:schemaRef ds:uri="http://www.w3.org/XML/1998/namespace"/>
-    <ds:schemaRef ds:uri="http://purl.org/dc/terms/"/>
+    <ds:schemaRef ds:uri="http://schemas.microsoft.com/sharepoint/v3/contenttype/forms"/>
   </ds:schemaRefs>
 </ds:datastoreItem>
 </file>
@@ -6439,9 +6430,18 @@
 </file>
 
 <file path=customXml/itemProps3.xml><?xml version="1.0" encoding="utf-8"?>
-<ds:datastoreItem xmlns:ds="http://schemas.openxmlformats.org/officeDocument/2006/customXml" ds:itemID="{D03F60F6-267C-4F0B-90AC-53495EF22DB8}">
+<ds:datastoreItem xmlns:ds="http://schemas.openxmlformats.org/officeDocument/2006/customXml" ds:itemID="{19C64E80-8200-4669-BC3C-EA57A9064010}">
   <ds:schemaRefs>
-    <ds:schemaRef ds:uri="http://schemas.microsoft.com/sharepoint/v3/contenttype/forms"/>
+    <ds:schemaRef ds:uri="http://schemas.microsoft.com/office/infopath/2007/PartnerControls"/>
+    <ds:schemaRef ds:uri="http://schemas.openxmlformats.org/package/2006/metadata/core-properties"/>
+    <ds:schemaRef ds:uri="56123433-40cc-482a-838d-44eebed83084"/>
+    <ds:schemaRef ds:uri="http://purl.org/dc/elements/1.1/"/>
+    <ds:schemaRef ds:uri="http://purl.org/dc/dcmitype/"/>
+    <ds:schemaRef ds:uri="7d2247ee-dcae-49b5-8e6a-08fc19cc9b93"/>
+    <ds:schemaRef ds:uri="http://schemas.microsoft.com/office/2006/documentManagement/types"/>
+    <ds:schemaRef ds:uri="http://schemas.microsoft.com/office/2006/metadata/properties"/>
+    <ds:schemaRef ds:uri="http://www.w3.org/XML/1998/namespace"/>
+    <ds:schemaRef ds:uri="http://purl.org/dc/terms/"/>
   </ds:schemaRefs>
 </ds:datastoreItem>
 </file>
--- a/filesets/autotune/autotune_check.pptx
+++ b/filesets/autotune/autotune_check.pptx
@@ -234,7 +234,7 @@
               <a:rPr lang="en-US" smtClean="0">
                 <a:latin typeface="Arial Regular"/>
               </a:rPr>
-              <a:t>8/24/20</a:t>
+              <a:t>10/26/2020</a:t>
             </a:fld>
             <a:endParaRPr lang="en-US" dirty="0">
               <a:latin typeface="Arial Regular"/>
@@ -424,7 +424,7 @@
             <a:fld id="{C7103FDF-5845-2441-8890-D723FF5A85D0}" type="datetimeFigureOut">
               <a:rPr lang="en-US" smtClean="0"/>
               <a:pPr/>
-              <a:t>8/24/20</a:t>
+              <a:t>10/26/2020</a:t>
             </a:fld>
             <a:endParaRPr lang="en-US" dirty="0"/>
           </a:p>
@@ -4778,7 +4778,7 @@
           <p:nvPr>
             <p:extLst>
               <p:ext uri="{D42A27DB-BD31-4B8C-83A1-F6EECF244321}">
-                <p14:modId xmlns:p14="http://schemas.microsoft.com/office/powerpoint/2010/main" val="2863168986"/>
+                <p14:modId xmlns:p14="http://schemas.microsoft.com/office/powerpoint/2010/main" val="165351193"/>
               </p:ext>
             </p:extLst>
           </p:nvPr>
@@ -4836,6 +4836,44 @@
                     <a:bodyPr/>
                     <a:lstStyle/>
                     <a:p>
+                      <a:r>
+                        <a:rPr lang="en-US" dirty="0"/>
+                        <a:t>{{</a:t>
+                      </a:r>
+                      <a:r>
+                        <a:rPr lang="en-US" dirty="0" err="1"/>
+                        <a:t>col:autotune_potential.csv</a:t>
+                      </a:r>
+                      <a:r>
+                        <a:rPr lang="en-US" dirty="0"/>
+                        <a:t>[2]}}</a:t>
+                      </a:r>
+                    </a:p>
+                  </a:txBody>
+                  <a:tcPr/>
+                </a:tc>
+                <a:tc>
+                  <a:txBody>
+                    <a:bodyPr/>
+                    <a:lstStyle/>
+                    <a:p>
+                      <a:pPr marL="0" marR="0" lvl="0" indent="0" algn="l" defTabSz="914400" rtl="0" eaLnBrk="1" fontAlgn="auto" latinLnBrk="0" hangingPunct="1">
+                        <a:lnSpc>
+                          <a:spcPct val="100000"/>
+                        </a:lnSpc>
+                        <a:spcBef>
+                          <a:spcPts val="0"/>
+                        </a:spcBef>
+                        <a:spcAft>
+                          <a:spcPts val="0"/>
+                        </a:spcAft>
+                        <a:buClrTx/>
+                        <a:buSzTx/>
+                        <a:buFontTx/>
+                        <a:buNone/>
+                        <a:tabLst/>
+                        <a:defRPr/>
+                      </a:pPr>
                       <a:r>
                         <a:rPr lang="en-US" dirty="0"/>
                         <a:t>{{</a:t>
@@ -4961,44 +4999,6 @@
                       <a:r>
                         <a:rPr lang="en-US" dirty="0"/>
                         <a:t>[6]}}</a:t>
-                      </a:r>
-                    </a:p>
-                  </a:txBody>
-                  <a:tcPr/>
-                </a:tc>
-                <a:tc>
-                  <a:txBody>
-                    <a:bodyPr/>
-                    <a:lstStyle/>
-                    <a:p>
-                      <a:pPr marL="0" marR="0" lvl="0" indent="0" algn="l" defTabSz="914400" rtl="0" eaLnBrk="1" fontAlgn="auto" latinLnBrk="0" hangingPunct="1">
-                        <a:lnSpc>
-                          <a:spcPct val="100000"/>
-                        </a:lnSpc>
-                        <a:spcBef>
-                          <a:spcPts val="0"/>
-                        </a:spcBef>
-                        <a:spcAft>
-                          <a:spcPts val="0"/>
-                        </a:spcAft>
-                        <a:buClrTx/>
-                        <a:buSzTx/>
-                        <a:buFontTx/>
-                        <a:buNone/>
-                        <a:tabLst/>
-                        <a:defRPr/>
-                      </a:pPr>
-                      <a:r>
-                        <a:rPr lang="en-US" dirty="0"/>
-                        <a:t>{{</a:t>
-                      </a:r>
-                      <a:r>
-                        <a:rPr lang="en-US" dirty="0" err="1"/>
-                        <a:t>col:autotune_potential.csv</a:t>
-                      </a:r>
-                      <a:r>
-                        <a:rPr lang="en-US" dirty="0"/>
-                        <a:t>[7]}}</a:t>
                       </a:r>
                     </a:p>
                   </a:txBody>
@@ -6277,15 +6277,6 @@
 </file>
 
 <file path=customXml/item1.xml><?xml version="1.0" encoding="utf-8"?>
-<?mso-contentType ?>
-<FormTemplates xmlns="http://schemas.microsoft.com/sharepoint/v3/contenttype/forms">
-  <Display>DocumentLibraryForm</Display>
-  <Edit>DocumentLibraryForm</Edit>
-  <New>DocumentLibraryForm</New>
-</FormTemplates>
-</file>
-
-<file path=customXml/item2.xml><?xml version="1.0" encoding="utf-8"?>
 <ct:contentTypeSchema xmlns:ct="http://schemas.microsoft.com/office/2006/metadata/contentType" xmlns:ma="http://schemas.microsoft.com/office/2006/metadata/properties/metaAttributes" ct:_="" ma:_="" ma:contentTypeName="Document" ma:contentTypeID="0x010100B142CB505444CE45B67D97A18A4C306A" ma:contentTypeVersion="0" ma:contentTypeDescription="Create a new document." ma:contentTypeScope="" ma:versionID="50e079853f9ec040d2a30adbbde6ee65">
   <xsd:schema xmlns:xsd="http://www.w3.org/2001/XMLSchema" xmlns:xs="http://www.w3.org/2001/XMLSchema" xmlns:p="http://schemas.microsoft.com/office/2006/metadata/properties" targetNamespace="http://schemas.microsoft.com/office/2006/metadata/properties" ma:root="true" ma:fieldsID="5e97a6f37767e4c84f18c2cfb95bf7a3">
     <xsd:element name="properties">
@@ -6399,6 +6390,15 @@
 </ct:contentTypeSchema>
 </file>
 
+<file path=customXml/item2.xml><?xml version="1.0" encoding="utf-8"?>
+<?mso-contentType ?>
+<FormTemplates xmlns="http://schemas.microsoft.com/sharepoint/v3/contenttype/forms">
+  <Display>DocumentLibraryForm</Display>
+  <Edit>DocumentLibraryForm</Edit>
+  <New>DocumentLibraryForm</New>
+</FormTemplates>
+</file>
+
 <file path=customXml/item3.xml><?xml version="1.0" encoding="utf-8"?>
 <p:properties xmlns:p="http://schemas.microsoft.com/office/2006/metadata/properties" xmlns:xsi="http://www.w3.org/2001/XMLSchema-instance" xmlns:pc="http://schemas.microsoft.com/office/infopath/2007/PartnerControls">
   <documentManagement/>
@@ -6406,14 +6406,6 @@
 </file>
 
 <file path=customXml/itemProps1.xml><?xml version="1.0" encoding="utf-8"?>
-<ds:datastoreItem xmlns:ds="http://schemas.openxmlformats.org/officeDocument/2006/customXml" ds:itemID="{D03F60F6-267C-4F0B-90AC-53495EF22DB8}">
-  <ds:schemaRefs>
-    <ds:schemaRef ds:uri="http://schemas.microsoft.com/sharepoint/v3/contenttype/forms"/>
-  </ds:schemaRefs>
-</ds:datastoreItem>
-</file>
-
-<file path=customXml/itemProps2.xml><?xml version="1.0" encoding="utf-8"?>
 <ds:datastoreItem xmlns:ds="http://schemas.openxmlformats.org/officeDocument/2006/customXml" ds:itemID="{B49647F1-7481-497C-BFCD-436328A8BAC2}">
   <ds:schemaRefs>
     <ds:schemaRef ds:uri="http://schemas.microsoft.com/office/2006/metadata/contentType"/>
@@ -6425,6 +6417,14 @@
     <ds:schemaRef ds:uri="http://purl.org/dc/terms/"/>
     <ds:schemaRef ds:uri="http://schemas.microsoft.com/internal/obd"/>
     <ds:schemaRef ds:uri="http://schemas.microsoft.com/office/infopath/2007/PartnerControls"/>
+  </ds:schemaRefs>
+</ds:datastoreItem>
+</file>
+
+<file path=customXml/itemProps2.xml><?xml version="1.0" encoding="utf-8"?>
+<ds:datastoreItem xmlns:ds="http://schemas.openxmlformats.org/officeDocument/2006/customXml" ds:itemID="{D03F60F6-267C-4F0B-90AC-53495EF22DB8}">
+  <ds:schemaRefs>
+    <ds:schemaRef ds:uri="http://schemas.microsoft.com/sharepoint/v3/contenttype/forms"/>
   </ds:schemaRefs>
 </ds:datastoreItem>
 </file>
